--- a/07 - ReactJS/07 - Forms/00 - Presentation/05.-React-JS-Forms.pptx
+++ b/07 - ReactJS/07 - Forms/00 - Presentation/05.-React-JS-Forms.pptx
@@ -297,7 +297,7 @@
           <a:p>
             <a:fld id="{4E087215-0C8F-4762-A664-737A353EC9A4}" type="datetimeFigureOut">
               <a:rPr lang="bg-BG" smtClean="0"/>
-              <a:t>27.9.2021 г.</a:t>
+              <a:t>27.11.2021 г.</a:t>
             </a:fld>
             <a:endParaRPr lang="bg-BG"/>
           </a:p>
@@ -488,7 +488,7 @@
           <a:p>
             <a:fld id="{72D84649-876A-46C9-8472-14CB09C070D8}" type="datetimeFigureOut">
               <a:rPr lang="en-US" smtClean="0"/>
-              <a:t>9/27/2021</a:t>
+              <a:t>27-Nov-21</a:t>
             </a:fld>
             <a:endParaRPr lang="en-US"/>
           </a:p>
@@ -20690,7 +20690,7 @@
             </a:r>
             <a:r>
               <a:rPr lang="en-US" dirty="0"/>
-              <a:t>, form data is handled by a </a:t>
+              <a:t>, form data is handled by </a:t>
             </a:r>
             <a:r>
               <a:rPr lang="en-US" b="1" dirty="0">
